--- a/PPT/06.자바스크립트 - 타입스크립트.pptx
+++ b/PPT/06.자바스크립트 - 타입스크립트.pptx
@@ -3826,7 +3826,7 @@
             <a:fld id="{C5EB0431-1611-1744-95F0-8172773087C5}" type="datetimeFigureOut">
               <a:rPr lang="en-US" altLang="ko-Kore-KR" smtClean="0"/>
               <a:pPr/>
-              <a:t>4/26/2025</a:t>
+              <a:t>4/28/2025</a:t>
             </a:fld>
             <a:endParaRPr lang="ko-Kore-KR"/>
           </a:p>
@@ -4246,7 +4246,7 @@
           <a:p>
             <a:fld id="{5FD0AF26-B2D6-41C9-847A-12B3D1677265}" type="datetime1">
               <a:rPr kumimoji="1" lang="ko-KR" altLang="en-US" smtClean="0"/>
-              <a:t>2025-04-26</a:t>
+              <a:t>2025-04-28</a:t>
             </a:fld>
             <a:endParaRPr kumimoji="1" lang="ko-KR" altLang="en-US"/>
           </a:p>
@@ -4444,7 +4444,7 @@
           <a:p>
             <a:fld id="{11A845FB-4EAB-4F93-BE87-891FAC391B0C}" type="datetime1">
               <a:rPr kumimoji="1" lang="ko-KR" altLang="en-US" smtClean="0"/>
-              <a:t>2025-04-26</a:t>
+              <a:t>2025-04-28</a:t>
             </a:fld>
             <a:endParaRPr kumimoji="1" lang="ko-KR" altLang="en-US"/>
           </a:p>
@@ -4652,7 +4652,7 @@
           <a:p>
             <a:fld id="{6597FBCF-59BC-423C-A27E-A4E0342EEDF5}" type="datetime1">
               <a:rPr kumimoji="1" lang="ko-KR" altLang="en-US" smtClean="0"/>
-              <a:t>2025-04-26</a:t>
+              <a:t>2025-04-28</a:t>
             </a:fld>
             <a:endParaRPr kumimoji="1" lang="ko-KR" altLang="en-US"/>
           </a:p>
@@ -4850,7 +4850,7 @@
           <a:p>
             <a:fld id="{59DE6E8A-4C0D-4CC6-BBD6-2F945A6B3540}" type="datetime1">
               <a:rPr kumimoji="1" lang="ko-KR" altLang="en-US" smtClean="0"/>
-              <a:t>2025-04-26</a:t>
+              <a:t>2025-04-28</a:t>
             </a:fld>
             <a:endParaRPr kumimoji="1" lang="ko-KR" altLang="en-US"/>
           </a:p>
@@ -5125,7 +5125,7 @@
           <a:p>
             <a:fld id="{BEBFBD75-CCBA-4C22-86CA-859D220600AA}" type="datetime1">
               <a:rPr kumimoji="1" lang="ko-KR" altLang="en-US" smtClean="0"/>
-              <a:t>2025-04-26</a:t>
+              <a:t>2025-04-28</a:t>
             </a:fld>
             <a:endParaRPr kumimoji="1" lang="ko-KR" altLang="en-US"/>
           </a:p>
@@ -5390,7 +5390,7 @@
           <a:p>
             <a:fld id="{DB031150-5CB0-41C0-9104-5695DD253F49}" type="datetime1">
               <a:rPr kumimoji="1" lang="ko-KR" altLang="en-US" smtClean="0"/>
-              <a:t>2025-04-26</a:t>
+              <a:t>2025-04-28</a:t>
             </a:fld>
             <a:endParaRPr kumimoji="1" lang="ko-KR" altLang="en-US"/>
           </a:p>
@@ -5802,7 +5802,7 @@
           <a:p>
             <a:fld id="{0B78CFAD-1435-498E-ACFE-38131B135631}" type="datetime1">
               <a:rPr kumimoji="1" lang="ko-KR" altLang="en-US" smtClean="0"/>
-              <a:t>2025-04-26</a:t>
+              <a:t>2025-04-28</a:t>
             </a:fld>
             <a:endParaRPr kumimoji="1" lang="ko-KR" altLang="en-US"/>
           </a:p>
@@ -5943,7 +5943,7 @@
           <a:p>
             <a:fld id="{BF2AA6DB-F13D-4C47-BC2B-E1D25CB476ED}" type="datetime1">
               <a:rPr kumimoji="1" lang="ko-KR" altLang="en-US" smtClean="0"/>
-              <a:t>2025-04-26</a:t>
+              <a:t>2025-04-28</a:t>
             </a:fld>
             <a:endParaRPr kumimoji="1" lang="ko-KR" altLang="en-US"/>
           </a:p>
@@ -6056,7 +6056,7 @@
           <a:p>
             <a:fld id="{14FBB438-2880-4761-94BA-7F7996C8C3BD}" type="datetime1">
               <a:rPr kumimoji="1" lang="ko-KR" altLang="en-US" smtClean="0"/>
-              <a:t>2025-04-26</a:t>
+              <a:t>2025-04-28</a:t>
             </a:fld>
             <a:endParaRPr kumimoji="1" lang="ko-KR" altLang="en-US"/>
           </a:p>
@@ -6367,7 +6367,7 @@
           <a:p>
             <a:fld id="{C4D9C33D-E09A-4F6E-A7FA-CF959C3E6DEE}" type="datetime1">
               <a:rPr kumimoji="1" lang="ko-KR" altLang="en-US" smtClean="0"/>
-              <a:t>2025-04-26</a:t>
+              <a:t>2025-04-28</a:t>
             </a:fld>
             <a:endParaRPr kumimoji="1" lang="ko-KR" altLang="en-US"/>
           </a:p>
@@ -6655,7 +6655,7 @@
           <a:p>
             <a:fld id="{DB10E3DE-CCA8-4CB9-BDA2-4741B0CD6641}" type="datetime1">
               <a:rPr kumimoji="1" lang="ko-KR" altLang="en-US" smtClean="0"/>
-              <a:t>2025-04-26</a:t>
+              <a:t>2025-04-28</a:t>
             </a:fld>
             <a:endParaRPr kumimoji="1" lang="ko-KR" altLang="en-US"/>
           </a:p>
@@ -6898,7 +6898,7 @@
           <a:p>
             <a:fld id="{827CA893-2A65-4E72-A022-7CB16F3818A4}" type="datetime1">
               <a:rPr kumimoji="1" lang="ko-KR" altLang="en-US" smtClean="0"/>
-              <a:t>2025-04-26</a:t>
+              <a:t>2025-04-28</a:t>
             </a:fld>
             <a:endParaRPr kumimoji="1" lang="ko-KR" altLang="en-US"/>
           </a:p>
@@ -8889,6 +8889,310 @@
         <p:spPr>
           <a:xfrm>
             <a:off x="6321235" y="1817995"/>
+            <a:ext cx="5469060" cy="2308324"/>
+          </a:xfrm>
+          <a:prstGeom prst="rect">
+            <a:avLst/>
+          </a:prstGeom>
+          <a:noFill/>
+          <a:ln>
+            <a:solidFill>
+              <a:schemeClr val="tx1"/>
+            </a:solidFill>
+          </a:ln>
+        </p:spPr>
+        <p:txBody>
+          <a:bodyPr wrap="square">
+            <a:spAutoFit/>
+          </a:bodyPr>
+          <a:lstStyle/>
+          <a:p>
+            <a:r>
+              <a:rPr lang="en-US" altLang="ko-KR" b="1">
+                <a:solidFill>
+                  <a:srgbClr val="FF9E1B"/>
+                </a:solidFill>
+                <a:effectLst/>
+                <a:latin typeface="Consolas" panose="020B0609020204030204" pitchFamily="49" charset="0"/>
+              </a:rPr>
+              <a:t>type Message = string | number</a:t>
+            </a:r>
+            <a:r>
+              <a:rPr lang="en-US" altLang="ko-KR" b="0">
+                <a:solidFill>
+                  <a:srgbClr val="000000"/>
+                </a:solidFill>
+                <a:effectLst/>
+                <a:latin typeface="Consolas" panose="020B0609020204030204" pitchFamily="49" charset="0"/>
+              </a:rPr>
+              <a:t>;</a:t>
+            </a:r>
+          </a:p>
+          <a:p>
+            <a:r>
+              <a:rPr lang="en-US" altLang="ko-KR" b="0">
+                <a:solidFill>
+                  <a:srgbClr val="0000FF"/>
+                </a:solidFill>
+                <a:effectLst/>
+                <a:latin typeface="Consolas" panose="020B0609020204030204" pitchFamily="49" charset="0"/>
+              </a:rPr>
+              <a:t>function</a:t>
+            </a:r>
+            <a:r>
+              <a:rPr lang="en-US" altLang="ko-KR" b="0">
+                <a:solidFill>
+                  <a:srgbClr val="000000"/>
+                </a:solidFill>
+                <a:effectLst/>
+                <a:latin typeface="Consolas" panose="020B0609020204030204" pitchFamily="49" charset="0"/>
+              </a:rPr>
+              <a:t> log(msg</a:t>
+            </a:r>
+            <a:r>
+              <a:rPr lang="en-US" altLang="ko-KR" b="1">
+                <a:solidFill>
+                  <a:srgbClr val="FF9E1B"/>
+                </a:solidFill>
+                <a:effectLst/>
+                <a:latin typeface="Consolas" panose="020B0609020204030204" pitchFamily="49" charset="0"/>
+              </a:rPr>
+              <a:t>: Message</a:t>
+            </a:r>
+            <a:r>
+              <a:rPr lang="en-US" altLang="ko-KR" b="0">
+                <a:solidFill>
+                  <a:srgbClr val="000000"/>
+                </a:solidFill>
+                <a:effectLst/>
+                <a:latin typeface="Consolas" panose="020B0609020204030204" pitchFamily="49" charset="0"/>
+              </a:rPr>
+              <a:t>)</a:t>
+            </a:r>
+            <a:r>
+              <a:rPr lang="en-US" altLang="ko-KR" b="1">
+                <a:solidFill>
+                  <a:srgbClr val="FF9E1B"/>
+                </a:solidFill>
+                <a:effectLst/>
+                <a:latin typeface="Consolas" panose="020B0609020204030204" pitchFamily="49" charset="0"/>
+              </a:rPr>
+              <a:t>: void </a:t>
+            </a:r>
+            <a:r>
+              <a:rPr lang="en-US" altLang="ko-KR" b="0">
+                <a:solidFill>
+                  <a:srgbClr val="000000"/>
+                </a:solidFill>
+                <a:effectLst/>
+                <a:latin typeface="Consolas" panose="020B0609020204030204" pitchFamily="49" charset="0"/>
+              </a:rPr>
+              <a:t>{</a:t>
+            </a:r>
+          </a:p>
+          <a:p>
+            <a:r>
+              <a:rPr lang="en-US" altLang="ko-KR" b="0">
+                <a:solidFill>
+                  <a:srgbClr val="000000"/>
+                </a:solidFill>
+                <a:effectLst/>
+                <a:latin typeface="Consolas" panose="020B0609020204030204" pitchFamily="49" charset="0"/>
+              </a:rPr>
+              <a:t>  console.log(msg);</a:t>
+            </a:r>
+          </a:p>
+          <a:p>
+            <a:r>
+              <a:rPr lang="en-US" altLang="ko-KR" b="0">
+                <a:solidFill>
+                  <a:srgbClr val="000000"/>
+                </a:solidFill>
+                <a:effectLst/>
+                <a:latin typeface="Consolas" panose="020B0609020204030204" pitchFamily="49" charset="0"/>
+              </a:rPr>
+              <a:t>}</a:t>
+            </a:r>
+            <a:br>
+              <a:rPr lang="en-US" altLang="ko-KR" b="0">
+                <a:solidFill>
+                  <a:srgbClr val="000000"/>
+                </a:solidFill>
+                <a:effectLst/>
+                <a:latin typeface="Consolas" panose="020B0609020204030204" pitchFamily="49" charset="0"/>
+              </a:rPr>
+            </a:br>
+            <a:r>
+              <a:rPr lang="en-US" altLang="ko-KR" b="0">
+                <a:solidFill>
+                  <a:srgbClr val="0000FF"/>
+                </a:solidFill>
+                <a:effectLst/>
+                <a:latin typeface="Consolas" panose="020B0609020204030204" pitchFamily="49" charset="0"/>
+              </a:rPr>
+              <a:t>const</a:t>
+            </a:r>
+            <a:r>
+              <a:rPr lang="en-US" altLang="ko-KR" b="0">
+                <a:solidFill>
+                  <a:srgbClr val="000000"/>
+                </a:solidFill>
+                <a:effectLst/>
+                <a:latin typeface="Consolas" panose="020B0609020204030204" pitchFamily="49" charset="0"/>
+              </a:rPr>
+              <a:t> msg3</a:t>
+            </a:r>
+            <a:r>
+              <a:rPr lang="en-US" altLang="ko-KR" b="1">
+                <a:solidFill>
+                  <a:srgbClr val="FF9E1B"/>
+                </a:solidFill>
+                <a:effectLst/>
+                <a:latin typeface="Consolas" panose="020B0609020204030204" pitchFamily="49" charset="0"/>
+              </a:rPr>
+              <a:t>: Message</a:t>
+            </a:r>
+            <a:r>
+              <a:rPr lang="en-US" altLang="ko-KR" b="0">
+                <a:solidFill>
+                  <a:srgbClr val="000000"/>
+                </a:solidFill>
+                <a:effectLst/>
+                <a:latin typeface="Consolas" panose="020B0609020204030204" pitchFamily="49" charset="0"/>
+              </a:rPr>
+              <a:t> = </a:t>
+            </a:r>
+            <a:r>
+              <a:rPr lang="en-US" altLang="ko-KR" b="0">
+                <a:solidFill>
+                  <a:srgbClr val="A31515"/>
+                </a:solidFill>
+                <a:effectLst/>
+                <a:latin typeface="Consolas" panose="020B0609020204030204" pitchFamily="49" charset="0"/>
+              </a:rPr>
+              <a:t>'world'</a:t>
+            </a:r>
+            <a:r>
+              <a:rPr lang="en-US" altLang="ko-KR" b="0">
+                <a:solidFill>
+                  <a:srgbClr val="000000"/>
+                </a:solidFill>
+                <a:effectLst/>
+                <a:latin typeface="Consolas" panose="020B0609020204030204" pitchFamily="49" charset="0"/>
+              </a:rPr>
+              <a:t>;</a:t>
+            </a:r>
+          </a:p>
+          <a:p>
+            <a:r>
+              <a:rPr lang="en-US" altLang="ko-KR" b="0">
+                <a:solidFill>
+                  <a:srgbClr val="0000FF"/>
+                </a:solidFill>
+                <a:effectLst/>
+                <a:latin typeface="Consolas" panose="020B0609020204030204" pitchFamily="49" charset="0"/>
+              </a:rPr>
+              <a:t>const</a:t>
+            </a:r>
+            <a:r>
+              <a:rPr lang="en-US" altLang="ko-KR" b="0">
+                <a:solidFill>
+                  <a:srgbClr val="000000"/>
+                </a:solidFill>
+                <a:effectLst/>
+                <a:latin typeface="Consolas" panose="020B0609020204030204" pitchFamily="49" charset="0"/>
+              </a:rPr>
+              <a:t> msg4</a:t>
+            </a:r>
+            <a:r>
+              <a:rPr lang="en-US" altLang="ko-KR" b="1">
+                <a:solidFill>
+                  <a:srgbClr val="FF9E1B"/>
+                </a:solidFill>
+                <a:effectLst/>
+                <a:latin typeface="Consolas" panose="020B0609020204030204" pitchFamily="49" charset="0"/>
+              </a:rPr>
+              <a:t>: Message</a:t>
+            </a:r>
+            <a:r>
+              <a:rPr lang="en-US" altLang="ko-KR" b="0">
+                <a:solidFill>
+                  <a:srgbClr val="000000"/>
+                </a:solidFill>
+                <a:effectLst/>
+                <a:latin typeface="Consolas" panose="020B0609020204030204" pitchFamily="49" charset="0"/>
+              </a:rPr>
+              <a:t> = </a:t>
+            </a:r>
+            <a:r>
+              <a:rPr lang="en-US" altLang="ko-KR" b="0">
+                <a:solidFill>
+                  <a:srgbClr val="098658"/>
+                </a:solidFill>
+                <a:effectLst/>
+                <a:latin typeface="Consolas" panose="020B0609020204030204" pitchFamily="49" charset="0"/>
+              </a:rPr>
+              <a:t>200</a:t>
+            </a:r>
+            <a:r>
+              <a:rPr lang="en-US" altLang="ko-KR" b="0">
+                <a:solidFill>
+                  <a:srgbClr val="000000"/>
+                </a:solidFill>
+                <a:effectLst/>
+                <a:latin typeface="Consolas" panose="020B0609020204030204" pitchFamily="49" charset="0"/>
+              </a:rPr>
+              <a:t>;</a:t>
+            </a:r>
+            <a:br>
+              <a:rPr lang="en-US" altLang="ko-KR" b="0">
+                <a:solidFill>
+                  <a:srgbClr val="000000"/>
+                </a:solidFill>
+                <a:effectLst/>
+                <a:latin typeface="Consolas" panose="020B0609020204030204" pitchFamily="49" charset="0"/>
+              </a:rPr>
+            </a:br>
+            <a:r>
+              <a:rPr lang="en-US" altLang="ko-KR" b="0">
+                <a:solidFill>
+                  <a:srgbClr val="000000"/>
+                </a:solidFill>
+                <a:effectLst/>
+                <a:latin typeface="Consolas" panose="020B0609020204030204" pitchFamily="49" charset="0"/>
+              </a:rPr>
+              <a:t>log(msg3);</a:t>
+            </a:r>
+          </a:p>
+          <a:p>
+            <a:r>
+              <a:rPr lang="en-US" altLang="ko-KR" b="0">
+                <a:solidFill>
+                  <a:srgbClr val="000000"/>
+                </a:solidFill>
+                <a:effectLst/>
+                <a:latin typeface="Consolas" panose="020B0609020204030204" pitchFamily="49" charset="0"/>
+              </a:rPr>
+              <a:t>log(msg4);</a:t>
+            </a:r>
+          </a:p>
+        </p:txBody>
+      </p:sp>
+      <p:sp>
+        <p:nvSpPr>
+          <p:cNvPr id="17" name="TextBox 16">
+            <a:extLst>
+              <a:ext uri="{FF2B5EF4-FFF2-40B4-BE49-F238E27FC236}">
+                <a16:creationId xmlns:a16="http://schemas.microsoft.com/office/drawing/2014/main" id="{8E421FC6-022D-45DA-B096-BD166BB589FC}"/>
+              </a:ext>
+            </a:extLst>
+          </p:cNvPr>
+          <p:cNvSpPr txBox="1"/>
+          <p:nvPr/>
+        </p:nvSpPr>
+        <p:spPr>
+          <a:xfrm>
+            <a:off x="401706" y="3702306"/>
             <a:ext cx="5469060" cy="2031325"/>
           </a:xfrm>
           <a:prstGeom prst="rect">
@@ -8908,6 +9212,26 @@
           <a:lstStyle/>
           <a:p>
             <a:r>
+              <a:rPr lang="en-US" altLang="ko-KR" b="0">
+                <a:solidFill>
+                  <a:srgbClr val="0000FF"/>
+                </a:solidFill>
+                <a:effectLst/>
+                <a:latin typeface="Consolas" panose="020B0609020204030204" pitchFamily="49" charset="0"/>
+              </a:rPr>
+              <a:t>function</a:t>
+            </a:r>
+            <a:r>
+              <a:rPr lang="en-US" altLang="ko-KR" b="0">
+                <a:solidFill>
+                  <a:srgbClr val="000000"/>
+                </a:solidFill>
+                <a:effectLst/>
+                <a:latin typeface="Consolas" panose="020B0609020204030204" pitchFamily="49" charset="0"/>
+              </a:rPr>
+              <a:t> log(msg</a:t>
+            </a:r>
+            <a:r>
               <a:rPr lang="en-US" altLang="ko-KR" b="1">
                 <a:solidFill>
                   <a:srgbClr val="FF9E1B"/>
@@ -8915,7 +9239,120 @@
                 <a:effectLst/>
                 <a:latin typeface="Consolas" panose="020B0609020204030204" pitchFamily="49" charset="0"/>
               </a:rPr>
-              <a:t>type Message = string | number</a:t>
+              <a:t>: number | string</a:t>
+            </a:r>
+            <a:r>
+              <a:rPr lang="en-US" altLang="ko-KR" b="0">
+                <a:solidFill>
+                  <a:srgbClr val="000000"/>
+                </a:solidFill>
+                <a:effectLst/>
+                <a:latin typeface="Consolas" panose="020B0609020204030204" pitchFamily="49" charset="0"/>
+              </a:rPr>
+              <a:t>)</a:t>
+            </a:r>
+            <a:r>
+              <a:rPr lang="en-US" altLang="ko-KR" b="1">
+                <a:solidFill>
+                  <a:srgbClr val="FF9E1B"/>
+                </a:solidFill>
+                <a:effectLst/>
+                <a:latin typeface="Consolas" panose="020B0609020204030204" pitchFamily="49" charset="0"/>
+              </a:rPr>
+              <a:t>: void </a:t>
+            </a:r>
+            <a:r>
+              <a:rPr lang="en-US" altLang="ko-KR" b="0">
+                <a:solidFill>
+                  <a:srgbClr val="000000"/>
+                </a:solidFill>
+                <a:effectLst/>
+                <a:latin typeface="Consolas" panose="020B0609020204030204" pitchFamily="49" charset="0"/>
+              </a:rPr>
+              <a:t>{</a:t>
+            </a:r>
+          </a:p>
+          <a:p>
+            <a:r>
+              <a:rPr lang="en-US" altLang="ko-KR" b="0">
+                <a:solidFill>
+                  <a:srgbClr val="000000"/>
+                </a:solidFill>
+                <a:effectLst/>
+                <a:latin typeface="Consolas" panose="020B0609020204030204" pitchFamily="49" charset="0"/>
+              </a:rPr>
+              <a:t>  console.log(msg);</a:t>
+            </a:r>
+          </a:p>
+          <a:p>
+            <a:r>
+              <a:rPr lang="en-US" altLang="ko-KR" b="0">
+                <a:solidFill>
+                  <a:srgbClr val="000000"/>
+                </a:solidFill>
+                <a:effectLst/>
+                <a:latin typeface="Consolas" panose="020B0609020204030204" pitchFamily="49" charset="0"/>
+              </a:rPr>
+              <a:t>}</a:t>
+            </a:r>
+            <a:br>
+              <a:rPr lang="en-US" altLang="ko-KR" b="0">
+                <a:solidFill>
+                  <a:srgbClr val="000000"/>
+                </a:solidFill>
+                <a:effectLst/>
+                <a:latin typeface="Consolas" panose="020B0609020204030204" pitchFamily="49" charset="0"/>
+              </a:rPr>
+            </a:br>
+            <a:r>
+              <a:rPr lang="en-US" altLang="ko-KR" b="0">
+                <a:solidFill>
+                  <a:srgbClr val="0000FF"/>
+                </a:solidFill>
+                <a:effectLst/>
+                <a:latin typeface="Consolas" panose="020B0609020204030204" pitchFamily="49" charset="0"/>
+              </a:rPr>
+              <a:t>const</a:t>
+            </a:r>
+            <a:r>
+              <a:rPr lang="en-US" altLang="ko-KR" b="0">
+                <a:solidFill>
+                  <a:srgbClr val="000000"/>
+                </a:solidFill>
+                <a:effectLst/>
+                <a:latin typeface="Consolas" panose="020B0609020204030204" pitchFamily="49" charset="0"/>
+              </a:rPr>
+              <a:t> msg3</a:t>
+            </a:r>
+            <a:r>
+              <a:rPr lang="en-US" altLang="ko-KR" b="1">
+                <a:solidFill>
+                  <a:srgbClr val="FF9E1B"/>
+                </a:solidFill>
+                <a:effectLst/>
+                <a:latin typeface="Consolas" panose="020B0609020204030204" pitchFamily="49" charset="0"/>
+              </a:rPr>
+              <a:t>: string | number</a:t>
+            </a:r>
+            <a:r>
+              <a:rPr lang="en-US" altLang="ko-KR" b="0">
+                <a:solidFill>
+                  <a:srgbClr val="000000"/>
+                </a:solidFill>
+                <a:effectLst/>
+                <a:latin typeface="Consolas" panose="020B0609020204030204" pitchFamily="49" charset="0"/>
+              </a:rPr>
+              <a:t> = </a:t>
+            </a:r>
+            <a:r>
+              <a:rPr lang="en-US" altLang="ko-KR" b="0">
+                <a:solidFill>
+                  <a:srgbClr val="A31515"/>
+                </a:solidFill>
+                <a:effectLst/>
+                <a:latin typeface="Consolas" panose="020B0609020204030204" pitchFamily="49" charset="0"/>
+              </a:rPr>
+              <a:t>'world'</a:t>
             </a:r>
             <a:r>
               <a:rPr lang="en-US" altLang="ko-KR" b="0">
@@ -8937,17 +9374,17 @@
                 <a:effectLst/>
                 <a:latin typeface="Consolas" panose="020B0609020204030204" pitchFamily="49" charset="0"/>
               </a:rPr>
-              <a:t>function</a:t>
-            </a:r>
-            <a:r>
-              <a:rPr lang="en-US" altLang="ko-KR" b="0">
-                <a:solidFill>
-                  <a:srgbClr val="000000"/>
-                </a:solidFill>
-                <a:effectLst/>
-                <a:latin typeface="Consolas" panose="020B0609020204030204" pitchFamily="49" charset="0"/>
-              </a:rPr>
-              <a:t> log(msg</a:t>
+              <a:t>const</a:t>
+            </a:r>
+            <a:r>
+              <a:rPr lang="en-US" altLang="ko-KR" b="0">
+                <a:solidFill>
+                  <a:srgbClr val="000000"/>
+                </a:solidFill>
+                <a:effectLst/>
+                <a:latin typeface="Consolas" panose="020B0609020204030204" pitchFamily="49" charset="0"/>
+              </a:rPr>
+              <a:t> msg4</a:t>
             </a:r>
             <a:r>
               <a:rPr lang="en-US" altLang="ko-KR" b="1">
@@ -8957,61 +9394,37 @@
                 <a:effectLst/>
                 <a:latin typeface="Consolas" panose="020B0609020204030204" pitchFamily="49" charset="0"/>
               </a:rPr>
-              <a:t>: Message</a:t>
-            </a:r>
-            <a:r>
-              <a:rPr lang="en-US" altLang="ko-KR" b="0">
-                <a:solidFill>
-                  <a:srgbClr val="000000"/>
-                </a:solidFill>
-                <a:effectLst/>
-                <a:latin typeface="Consolas" panose="020B0609020204030204" pitchFamily="49" charset="0"/>
-              </a:rPr>
-              <a:t>)</a:t>
-            </a:r>
-            <a:r>
-              <a:rPr lang="en-US" altLang="ko-KR" b="1">
-                <a:solidFill>
-                  <a:srgbClr val="FF9E1B"/>
-                </a:solidFill>
-                <a:effectLst/>
-                <a:latin typeface="Consolas" panose="020B0609020204030204" pitchFamily="49" charset="0"/>
-              </a:rPr>
-              <a:t>: void </a:t>
-            </a:r>
-            <a:r>
-              <a:rPr lang="en-US" altLang="ko-KR" b="0">
-                <a:solidFill>
-                  <a:srgbClr val="000000"/>
-                </a:solidFill>
-                <a:effectLst/>
-                <a:latin typeface="Consolas" panose="020B0609020204030204" pitchFamily="49" charset="0"/>
-              </a:rPr>
-              <a:t>{</a:t>
-            </a:r>
-          </a:p>
-          <a:p>
-            <a:r>
-              <a:rPr lang="en-US" altLang="ko-KR" b="0">
-                <a:solidFill>
-                  <a:srgbClr val="000000"/>
-                </a:solidFill>
-                <a:effectLst/>
-                <a:latin typeface="Consolas" panose="020B0609020204030204" pitchFamily="49" charset="0"/>
-              </a:rPr>
-              <a:t>  console.log(msg);</a:t>
-            </a:r>
-          </a:p>
-          <a:p>
-            <a:r>
-              <a:rPr lang="en-US" altLang="ko-KR" b="0">
-                <a:solidFill>
-                  <a:srgbClr val="000000"/>
-                </a:solidFill>
-                <a:effectLst/>
-                <a:latin typeface="Consolas" panose="020B0609020204030204" pitchFamily="49" charset="0"/>
-              </a:rPr>
-              <a:t>}</a:t>
+              <a:t>: string | number</a:t>
+            </a:r>
+            <a:r>
+              <a:rPr lang="en-US" altLang="ko-KR" b="0">
+                <a:solidFill>
+                  <a:srgbClr val="000000"/>
+                </a:solidFill>
+                <a:effectLst/>
+                <a:latin typeface="Consolas" panose="020B0609020204030204" pitchFamily="49" charset="0"/>
+              </a:rPr>
+              <a:t> = </a:t>
+            </a:r>
+            <a:r>
+              <a:rPr lang="en-US" altLang="ko-KR" b="0">
+                <a:solidFill>
+                  <a:srgbClr val="098658"/>
+                </a:solidFill>
+                <a:effectLst/>
+                <a:latin typeface="Consolas" panose="020B0609020204030204" pitchFamily="49" charset="0"/>
+              </a:rPr>
+              <a:t>200</a:t>
+            </a:r>
+            <a:r>
+              <a:rPr lang="en-US" altLang="ko-KR" b="0">
+                <a:solidFill>
+                  <a:srgbClr val="000000"/>
+                </a:solidFill>
+                <a:effectLst/>
+                <a:latin typeface="Consolas" panose="020B0609020204030204" pitchFamily="49" charset="0"/>
+              </a:rPr>
+              <a:t>;</a:t>
             </a:r>
             <a:br>
               <a:rPr lang="en-US" altLang="ko-KR" b="0">
@@ -9025,153 +9438,34 @@
             <a:r>
               <a:rPr lang="en-US" altLang="ko-KR" b="0">
                 <a:solidFill>
-                  <a:srgbClr val="0000FF"/>
-                </a:solidFill>
-                <a:effectLst/>
-                <a:latin typeface="Consolas" panose="020B0609020204030204" pitchFamily="49" charset="0"/>
-              </a:rPr>
-              <a:t>const</a:t>
-            </a:r>
-            <a:r>
-              <a:rPr lang="en-US" altLang="ko-KR" b="0">
-                <a:solidFill>
-                  <a:srgbClr val="000000"/>
-                </a:solidFill>
-                <a:effectLst/>
-                <a:latin typeface="Consolas" panose="020B0609020204030204" pitchFamily="49" charset="0"/>
-              </a:rPr>
-              <a:t> msg3</a:t>
-            </a:r>
-            <a:r>
-              <a:rPr lang="en-US" altLang="ko-KR" b="1">
-                <a:solidFill>
-                  <a:srgbClr val="FF9E1B"/>
-                </a:solidFill>
-                <a:effectLst/>
-                <a:latin typeface="Consolas" panose="020B0609020204030204" pitchFamily="49" charset="0"/>
-              </a:rPr>
-              <a:t>: Message</a:t>
-            </a:r>
-            <a:r>
-              <a:rPr lang="en-US" altLang="ko-KR" b="0">
-                <a:solidFill>
-                  <a:srgbClr val="000000"/>
-                </a:solidFill>
-                <a:effectLst/>
-                <a:latin typeface="Consolas" panose="020B0609020204030204" pitchFamily="49" charset="0"/>
-              </a:rPr>
-              <a:t> = </a:t>
-            </a:r>
-            <a:r>
-              <a:rPr lang="en-US" altLang="ko-KR" b="0">
-                <a:solidFill>
-                  <a:srgbClr val="A31515"/>
-                </a:solidFill>
-                <a:effectLst/>
-                <a:latin typeface="Consolas" panose="020B0609020204030204" pitchFamily="49" charset="0"/>
-              </a:rPr>
-              <a:t>'world'</a:t>
-            </a:r>
-            <a:r>
-              <a:rPr lang="en-US" altLang="ko-KR" b="0">
-                <a:solidFill>
-                  <a:srgbClr val="000000"/>
-                </a:solidFill>
-                <a:effectLst/>
-                <a:latin typeface="Consolas" panose="020B0609020204030204" pitchFamily="49" charset="0"/>
-              </a:rPr>
-              <a:t>;</a:t>
-            </a:r>
-          </a:p>
-          <a:p>
-            <a:r>
-              <a:rPr lang="en-US" altLang="ko-KR" b="0">
-                <a:solidFill>
-                  <a:srgbClr val="0000FF"/>
-                </a:solidFill>
-                <a:effectLst/>
-                <a:latin typeface="Consolas" panose="020B0609020204030204" pitchFamily="49" charset="0"/>
-              </a:rPr>
-              <a:t>const</a:t>
-            </a:r>
-            <a:r>
-              <a:rPr lang="en-US" altLang="ko-KR" b="0">
-                <a:solidFill>
-                  <a:srgbClr val="000000"/>
-                </a:solidFill>
-                <a:effectLst/>
-                <a:latin typeface="Consolas" panose="020B0609020204030204" pitchFamily="49" charset="0"/>
-              </a:rPr>
-              <a:t> msg4</a:t>
-            </a:r>
-            <a:r>
-              <a:rPr lang="en-US" altLang="ko-KR" b="1">
-                <a:solidFill>
-                  <a:srgbClr val="FF9E1B"/>
-                </a:solidFill>
-                <a:effectLst/>
-                <a:latin typeface="Consolas" panose="020B0609020204030204" pitchFamily="49" charset="0"/>
-              </a:rPr>
-              <a:t>: Message</a:t>
-            </a:r>
-            <a:r>
-              <a:rPr lang="en-US" altLang="ko-KR" b="0">
-                <a:solidFill>
-                  <a:srgbClr val="000000"/>
-                </a:solidFill>
-                <a:effectLst/>
-                <a:latin typeface="Consolas" panose="020B0609020204030204" pitchFamily="49" charset="0"/>
-              </a:rPr>
-              <a:t> = </a:t>
-            </a:r>
-            <a:r>
-              <a:rPr lang="en-US" altLang="ko-KR" b="0">
-                <a:solidFill>
-                  <a:srgbClr val="098658"/>
-                </a:solidFill>
-                <a:effectLst/>
-                <a:latin typeface="Consolas" panose="020B0609020204030204" pitchFamily="49" charset="0"/>
-              </a:rPr>
-              <a:t>200</a:t>
-            </a:r>
-            <a:r>
-              <a:rPr lang="en-US" altLang="ko-KR" b="0">
-                <a:solidFill>
-                  <a:srgbClr val="000000"/>
-                </a:solidFill>
-                <a:effectLst/>
-                <a:latin typeface="Consolas" panose="020B0609020204030204" pitchFamily="49" charset="0"/>
-              </a:rPr>
-              <a:t>;</a:t>
-            </a:r>
-            <a:br>
-              <a:rPr lang="en-US" altLang="ko-KR" b="0">
-                <a:solidFill>
-                  <a:srgbClr val="000000"/>
-                </a:solidFill>
-                <a:effectLst/>
-                <a:latin typeface="Consolas" panose="020B0609020204030204" pitchFamily="49" charset="0"/>
-              </a:rPr>
-            </a:br>
-            <a:r>
-              <a:rPr lang="en-US" altLang="ko-KR" b="0">
-                <a:solidFill>
-                  <a:srgbClr val="000000"/>
-                </a:solidFill>
-                <a:effectLst/>
-                <a:latin typeface="Consolas" panose="020B0609020204030204" pitchFamily="49" charset="0"/>
-              </a:rPr>
-              <a:t>log(msg3, msg4);</a:t>
+                  <a:srgbClr val="000000"/>
+                </a:solidFill>
+                <a:effectLst/>
+                <a:latin typeface="Consolas" panose="020B0609020204030204" pitchFamily="49" charset="0"/>
+              </a:rPr>
+              <a:t>log(msg3);</a:t>
+            </a:r>
+          </a:p>
+          <a:p>
+            <a:r>
+              <a:rPr lang="en-US" altLang="ko-KR" b="0">
+                <a:solidFill>
+                  <a:srgbClr val="000000"/>
+                </a:solidFill>
+                <a:effectLst/>
+                <a:latin typeface="Consolas" panose="020B0609020204030204" pitchFamily="49" charset="0"/>
+              </a:rPr>
+              <a:t>log(msg4);</a:t>
             </a:r>
           </a:p>
         </p:txBody>
       </p:sp>
       <p:sp>
         <p:nvSpPr>
-          <p:cNvPr id="17" name="TextBox 16">
+          <p:cNvPr id="18" name="TextBox 17">
             <a:extLst>
               <a:ext uri="{FF2B5EF4-FFF2-40B4-BE49-F238E27FC236}">
-                <a16:creationId xmlns:a16="http://schemas.microsoft.com/office/drawing/2014/main" id="{8E421FC6-022D-45DA-B096-BD166BB589FC}"/>
+                <a16:creationId xmlns:a16="http://schemas.microsoft.com/office/drawing/2014/main" id="{56254FEB-691B-4F80-8039-BBD9BAF360D5}"/>
               </a:ext>
             </a:extLst>
           </p:cNvPr>
@@ -9180,8 +9474,8 @@
         </p:nvSpPr>
         <p:spPr>
           <a:xfrm>
-            <a:off x="401706" y="3702306"/>
-            <a:ext cx="5469060" cy="1754326"/>
+            <a:off x="7023675" y="4364171"/>
+            <a:ext cx="4029075" cy="2031325"/>
           </a:xfrm>
           <a:prstGeom prst="rect">
             <a:avLst/>
@@ -9217,47 +9511,7 @@
                 <a:effectLst/>
                 <a:latin typeface="Consolas" panose="020B0609020204030204" pitchFamily="49" charset="0"/>
               </a:rPr>
-              <a:t> log(msg</a:t>
-            </a:r>
-            <a:r>
-              <a:rPr lang="en-US" altLang="ko-KR" b="1">
-                <a:solidFill>
-                  <a:srgbClr val="FF9E1B"/>
-                </a:solidFill>
-                <a:effectLst/>
-                <a:latin typeface="Consolas" panose="020B0609020204030204" pitchFamily="49" charset="0"/>
-              </a:rPr>
-              <a:t>: number | string</a:t>
-            </a:r>
-            <a:r>
-              <a:rPr lang="en-US" altLang="ko-KR" b="0">
-                <a:solidFill>
-                  <a:srgbClr val="000000"/>
-                </a:solidFill>
-                <a:effectLst/>
-                <a:latin typeface="Consolas" panose="020B0609020204030204" pitchFamily="49" charset="0"/>
-              </a:rPr>
-              <a:t>)</a:t>
-            </a:r>
-            <a:r>
-              <a:rPr lang="en-US" altLang="ko-KR" b="1">
-                <a:solidFill>
-                  <a:srgbClr val="FF9E1B"/>
-                </a:solidFill>
-                <a:effectLst/>
-                <a:latin typeface="Consolas" panose="020B0609020204030204" pitchFamily="49" charset="0"/>
-              </a:rPr>
-              <a:t>: void </a:t>
-            </a:r>
-            <a:r>
-              <a:rPr lang="en-US" altLang="ko-KR" b="0">
-                <a:solidFill>
-                  <a:srgbClr val="000000"/>
-                </a:solidFill>
-                <a:effectLst/>
-                <a:latin typeface="Consolas" panose="020B0609020204030204" pitchFamily="49" charset="0"/>
-              </a:rPr>
-              <a:t>{</a:t>
+              <a:t> log(msg) {</a:t>
             </a:r>
           </a:p>
           <a:p>
@@ -9283,15 +9537,8 @@
               </a:rPr>
               <a:t>}</a:t>
             </a:r>
-            <a:br>
-              <a:rPr lang="en-US" altLang="ko-KR" b="0">
-                <a:solidFill>
-                  <a:srgbClr val="000000"/>
-                </a:solidFill>
-                <a:effectLst/>
-                <a:latin typeface="Consolas" panose="020B0609020204030204" pitchFamily="49" charset="0"/>
-              </a:rPr>
-            </a:br>
+          </a:p>
+          <a:p>
             <a:r>
               <a:rPr lang="en-US" altLang="ko-KR" b="0">
                 <a:solidFill>
@@ -9310,27 +9557,7 @@
                 <a:effectLst/>
                 <a:latin typeface="Consolas" panose="020B0609020204030204" pitchFamily="49" charset="0"/>
               </a:rPr>
-              <a:t> msg3</a:t>
-            </a:r>
-            <a:r>
-              <a:rPr lang="en-US" altLang="ko-KR" b="1">
-                <a:solidFill>
-                  <a:srgbClr val="FF9E1B"/>
-                </a:solidFill>
-                <a:effectLst/>
-                <a:latin typeface="Consolas" panose="020B0609020204030204" pitchFamily="49" charset="0"/>
-              </a:rPr>
-              <a:t>: string | number</a:t>
-            </a:r>
-            <a:r>
-              <a:rPr lang="en-US" altLang="ko-KR" b="0">
-                <a:solidFill>
-                  <a:srgbClr val="000000"/>
-                </a:solidFill>
-                <a:effectLst/>
-                <a:latin typeface="Consolas" panose="020B0609020204030204" pitchFamily="49" charset="0"/>
-              </a:rPr>
-              <a:t> = </a:t>
+              <a:t> msg3 = </a:t>
             </a:r>
             <a:r>
               <a:rPr lang="en-US" altLang="ko-KR" b="0">
@@ -9372,27 +9599,7 @@
                 <a:effectLst/>
                 <a:latin typeface="Consolas" panose="020B0609020204030204" pitchFamily="49" charset="0"/>
               </a:rPr>
-              <a:t> msg4</a:t>
-            </a:r>
-            <a:r>
-              <a:rPr lang="en-US" altLang="ko-KR" b="1">
-                <a:solidFill>
-                  <a:srgbClr val="FF9E1B"/>
-                </a:solidFill>
-                <a:effectLst/>
-                <a:latin typeface="Consolas" panose="020B0609020204030204" pitchFamily="49" charset="0"/>
-              </a:rPr>
-              <a:t>: string | number</a:t>
-            </a:r>
-            <a:r>
-              <a:rPr lang="en-US" altLang="ko-KR" b="0">
-                <a:solidFill>
-                  <a:srgbClr val="000000"/>
-                </a:solidFill>
-                <a:effectLst/>
-                <a:latin typeface="Consolas" panose="020B0609020204030204" pitchFamily="49" charset="0"/>
-              </a:rPr>
-              <a:t> = </a:t>
+              <a:t> msg4 = </a:t>
             </a:r>
             <a:r>
               <a:rPr lang="en-US" altLang="ko-KR" b="0">
@@ -9414,200 +9621,29 @@
               </a:rPr>
               <a:t>;</a:t>
             </a:r>
-            <a:br>
-              <a:rPr lang="en-US" altLang="ko-KR" b="0">
-                <a:solidFill>
-                  <a:srgbClr val="000000"/>
-                </a:solidFill>
-                <a:effectLst/>
-                <a:latin typeface="Consolas" panose="020B0609020204030204" pitchFamily="49" charset="0"/>
-              </a:rPr>
-            </a:br>
-            <a:r>
-              <a:rPr lang="en-US" altLang="ko-KR" b="0">
-                <a:solidFill>
-                  <a:srgbClr val="000000"/>
-                </a:solidFill>
-                <a:effectLst/>
-                <a:latin typeface="Consolas" panose="020B0609020204030204" pitchFamily="49" charset="0"/>
-              </a:rPr>
-              <a:t>log(msg3, msg4);</a:t>
-            </a:r>
-          </a:p>
-        </p:txBody>
-      </p:sp>
-      <p:sp>
-        <p:nvSpPr>
-          <p:cNvPr id="18" name="TextBox 17">
-            <a:extLst>
-              <a:ext uri="{FF2B5EF4-FFF2-40B4-BE49-F238E27FC236}">
-                <a16:creationId xmlns:a16="http://schemas.microsoft.com/office/drawing/2014/main" id="{56254FEB-691B-4F80-8039-BBD9BAF360D5}"/>
-              </a:ext>
-            </a:extLst>
-          </p:cNvPr>
-          <p:cNvSpPr txBox="1"/>
-          <p:nvPr/>
-        </p:nvSpPr>
-        <p:spPr>
-          <a:xfrm>
-            <a:off x="7023675" y="4108043"/>
-            <a:ext cx="4029075" cy="1754326"/>
-          </a:xfrm>
-          <a:prstGeom prst="rect">
-            <a:avLst/>
-          </a:prstGeom>
-          <a:noFill/>
-          <a:ln>
-            <a:solidFill>
-              <a:schemeClr val="tx1"/>
-            </a:solidFill>
-          </a:ln>
-        </p:spPr>
-        <p:txBody>
-          <a:bodyPr wrap="square">
-            <a:spAutoFit/>
-          </a:bodyPr>
-          <a:lstStyle/>
-          <a:p>
-            <a:r>
-              <a:rPr lang="en-US" altLang="ko-KR" b="0">
-                <a:solidFill>
-                  <a:srgbClr val="0000FF"/>
-                </a:solidFill>
-                <a:effectLst/>
-                <a:latin typeface="Consolas" panose="020B0609020204030204" pitchFamily="49" charset="0"/>
-              </a:rPr>
-              <a:t>function</a:t>
-            </a:r>
-            <a:r>
-              <a:rPr lang="en-US" altLang="ko-KR" b="0">
-                <a:solidFill>
-                  <a:srgbClr val="000000"/>
-                </a:solidFill>
-                <a:effectLst/>
-                <a:latin typeface="Consolas" panose="020B0609020204030204" pitchFamily="49" charset="0"/>
-              </a:rPr>
-              <a:t> log(msg) {</a:t>
-            </a:r>
-          </a:p>
-          <a:p>
-            <a:r>
-              <a:rPr lang="en-US" altLang="ko-KR" b="0">
-                <a:solidFill>
-                  <a:srgbClr val="000000"/>
-                </a:solidFill>
-                <a:effectLst/>
-                <a:latin typeface="Consolas" panose="020B0609020204030204" pitchFamily="49" charset="0"/>
-              </a:rPr>
-              <a:t>  console.log(msg);</a:t>
-            </a:r>
-          </a:p>
-          <a:p>
-            <a:r>
-              <a:rPr lang="en-US" altLang="ko-KR" b="0">
-                <a:solidFill>
-                  <a:srgbClr val="000000"/>
-                </a:solidFill>
-                <a:effectLst/>
-                <a:latin typeface="Consolas" panose="020B0609020204030204" pitchFamily="49" charset="0"/>
-              </a:rPr>
-              <a:t>}</a:t>
-            </a:r>
-          </a:p>
-          <a:p>
-            <a:r>
-              <a:rPr lang="en-US" altLang="ko-KR" b="0">
-                <a:solidFill>
-                  <a:srgbClr val="0000FF"/>
-                </a:solidFill>
-                <a:effectLst/>
-                <a:latin typeface="Consolas" panose="020B0609020204030204" pitchFamily="49" charset="0"/>
-              </a:rPr>
-              <a:t>const</a:t>
-            </a:r>
-            <a:r>
-              <a:rPr lang="en-US" altLang="ko-KR" b="0">
-                <a:solidFill>
-                  <a:srgbClr val="000000"/>
-                </a:solidFill>
-                <a:effectLst/>
-                <a:latin typeface="Consolas" panose="020B0609020204030204" pitchFamily="49" charset="0"/>
-              </a:rPr>
-              <a:t> msg3 = </a:t>
-            </a:r>
-            <a:r>
-              <a:rPr lang="en-US" altLang="ko-KR" b="0">
-                <a:solidFill>
-                  <a:srgbClr val="A31515"/>
-                </a:solidFill>
-                <a:effectLst/>
-                <a:latin typeface="Consolas" panose="020B0609020204030204" pitchFamily="49" charset="0"/>
-              </a:rPr>
-              <a:t>'world'</a:t>
-            </a:r>
-            <a:r>
-              <a:rPr lang="en-US" altLang="ko-KR" b="0">
-                <a:solidFill>
-                  <a:srgbClr val="000000"/>
-                </a:solidFill>
-                <a:effectLst/>
-                <a:latin typeface="Consolas" panose="020B0609020204030204" pitchFamily="49" charset="0"/>
-              </a:rPr>
-              <a:t>;</a:t>
-            </a:r>
-          </a:p>
-          <a:p>
-            <a:r>
-              <a:rPr lang="en-US" altLang="ko-KR" b="0">
-                <a:solidFill>
-                  <a:srgbClr val="0000FF"/>
-                </a:solidFill>
-                <a:effectLst/>
-                <a:latin typeface="Consolas" panose="020B0609020204030204" pitchFamily="49" charset="0"/>
-              </a:rPr>
-              <a:t>const</a:t>
-            </a:r>
-            <a:r>
-              <a:rPr lang="en-US" altLang="ko-KR" b="0">
-                <a:solidFill>
-                  <a:srgbClr val="000000"/>
-                </a:solidFill>
-                <a:effectLst/>
-                <a:latin typeface="Consolas" panose="020B0609020204030204" pitchFamily="49" charset="0"/>
-              </a:rPr>
-              <a:t> msg4 = </a:t>
-            </a:r>
-            <a:r>
-              <a:rPr lang="en-US" altLang="ko-KR" b="0">
-                <a:solidFill>
-                  <a:srgbClr val="098658"/>
-                </a:solidFill>
-                <a:effectLst/>
-                <a:latin typeface="Consolas" panose="020B0609020204030204" pitchFamily="49" charset="0"/>
-              </a:rPr>
-              <a:t>200</a:t>
-            </a:r>
-            <a:r>
-              <a:rPr lang="en-US" altLang="ko-KR" b="0">
-                <a:solidFill>
-                  <a:srgbClr val="000000"/>
-                </a:solidFill>
-                <a:effectLst/>
-                <a:latin typeface="Consolas" panose="020B0609020204030204" pitchFamily="49" charset="0"/>
-              </a:rPr>
-              <a:t>;</a:t>
-            </a:r>
-          </a:p>
-          <a:p>
-            <a:r>
-              <a:rPr lang="en-US" altLang="ko-KR" b="0">
-                <a:solidFill>
-                  <a:srgbClr val="000000"/>
-                </a:solidFill>
-                <a:effectLst/>
-                <a:latin typeface="Consolas" panose="020B0609020204030204" pitchFamily="49" charset="0"/>
-              </a:rPr>
-              <a:t>log(msg3, msg4);</a:t>
+          </a:p>
+          <a:p>
+            <a:r>
+              <a:rPr lang="en-US" altLang="ko-KR" b="0">
+                <a:solidFill>
+                  <a:srgbClr val="000000"/>
+                </a:solidFill>
+                <a:effectLst/>
+                <a:latin typeface="Consolas" panose="020B0609020204030204" pitchFamily="49" charset="0"/>
+              </a:rPr>
+              <a:t>log(msg3);</a:t>
+            </a:r>
+          </a:p>
+          <a:p>
+            <a:r>
+              <a:rPr lang="en-US" altLang="ko-KR" b="0">
+                <a:solidFill>
+                  <a:srgbClr val="000000"/>
+                </a:solidFill>
+                <a:effectLst/>
+                <a:latin typeface="Consolas" panose="020B0609020204030204" pitchFamily="49" charset="0"/>
+              </a:rPr>
+              <a:t>log(msg4);</a:t>
             </a:r>
           </a:p>
         </p:txBody>

--- a/PPT/06.자바스크립트 - 타입스크립트.pptx
+++ b/PPT/06.자바스크립트 - 타입스크립트.pptx
@@ -11437,7 +11437,7 @@
         <p:spPr>
           <a:xfrm>
             <a:off x="1000125" y="2416627"/>
-            <a:ext cx="9658910" cy="3139321"/>
+            <a:ext cx="9658910" cy="3416320"/>
           </a:xfrm>
           <a:prstGeom prst="rect">
             <a:avLst/>
@@ -11521,6 +11521,58 @@
             </a:r>
           </a:p>
           <a:p>
+            <a:r>
+              <a:rPr lang="en-US" altLang="ko-KR" b="1">
+                <a:solidFill>
+                  <a:srgbClr val="FF9E1B"/>
+                </a:solidFill>
+                <a:latin typeface="Consolas" panose="020B0609020204030204" pitchFamily="49" charset="0"/>
+              </a:rPr>
+              <a:t>type TodoDone = {</a:t>
+            </a:r>
+          </a:p>
+          <a:p>
+            <a:r>
+              <a:rPr lang="en-US" altLang="ko-KR" b="1">
+                <a:solidFill>
+                  <a:srgbClr val="FF9E1B"/>
+                </a:solidFill>
+                <a:latin typeface="Consolas" panose="020B0609020204030204" pitchFamily="49" charset="0"/>
+              </a:rPr>
+              <a:t>  id: string;</a:t>
+            </a:r>
+          </a:p>
+          <a:p>
+            <a:r>
+              <a:rPr lang="en-US" altLang="ko-KR" b="1">
+                <a:solidFill>
+                  <a:srgbClr val="FF9E1B"/>
+                </a:solidFill>
+                <a:effectLst/>
+                <a:latin typeface="Consolas" panose="020B0609020204030204" pitchFamily="49" charset="0"/>
+              </a:rPr>
+              <a:t>  done: Boolean;</a:t>
+            </a:r>
+          </a:p>
+          <a:p>
+            <a:r>
+              <a:rPr lang="en-US" altLang="ko-KR" b="1">
+                <a:solidFill>
+                  <a:srgbClr val="FF9E1B"/>
+                </a:solidFill>
+                <a:latin typeface="Consolas" panose="020B0609020204030204" pitchFamily="49" charset="0"/>
+              </a:rPr>
+              <a:t>}</a:t>
+            </a:r>
+            <a:endParaRPr lang="en-US" altLang="ko-KR" b="1">
+              <a:solidFill>
+                <a:srgbClr val="FF9E1B"/>
+              </a:solidFill>
+              <a:effectLst/>
+              <a:latin typeface="Consolas" panose="020B0609020204030204" pitchFamily="49" charset="0"/>
+            </a:endParaRPr>
+          </a:p>
+          <a:p>
             <a:br>
               <a:rPr lang="en-US" altLang="ko-KR" b="0">
                 <a:solidFill>
@@ -11567,90 +11619,7 @@
                 <a:effectLst/>
                 <a:latin typeface="Consolas" panose="020B0609020204030204" pitchFamily="49" charset="0"/>
               </a:rPr>
-              <a:t>type TodoInfo = TodoRegist &amp; {</a:t>
-            </a:r>
-          </a:p>
-          <a:p>
-            <a:r>
-              <a:rPr lang="en-US" altLang="ko-KR" b="1">
-                <a:solidFill>
-                  <a:srgbClr val="FF9E1B"/>
-                </a:solidFill>
-                <a:effectLst/>
-                <a:latin typeface="Consolas" panose="020B0609020204030204" pitchFamily="49" charset="0"/>
-              </a:rPr>
-              <a:t>  id: number; </a:t>
-            </a:r>
-            <a:r>
-              <a:rPr lang="en-US" altLang="ko-KR" b="0">
-                <a:solidFill>
-                  <a:srgbClr val="008000"/>
-                </a:solidFill>
-                <a:effectLst/>
-                <a:latin typeface="Consolas" panose="020B0609020204030204" pitchFamily="49" charset="0"/>
-              </a:rPr>
-              <a:t>// id: string &amp; number</a:t>
-            </a:r>
-            <a:r>
-              <a:rPr lang="ko-KR" altLang="en-US" b="0">
-                <a:solidFill>
-                  <a:srgbClr val="008000"/>
-                </a:solidFill>
-                <a:effectLst/>
-                <a:latin typeface="Consolas" panose="020B0609020204030204" pitchFamily="49" charset="0"/>
-              </a:rPr>
-              <a:t>는 존재할 수 없기때문에 </a:t>
-            </a:r>
-            <a:r>
-              <a:rPr lang="en-US" altLang="ko-KR" b="0">
-                <a:solidFill>
-                  <a:srgbClr val="008000"/>
-                </a:solidFill>
-                <a:effectLst/>
-                <a:latin typeface="Consolas" panose="020B0609020204030204" pitchFamily="49" charset="0"/>
-              </a:rPr>
-              <a:t>never </a:t>
-            </a:r>
-            <a:r>
-              <a:rPr lang="ko-KR" altLang="en-US" b="0">
-                <a:solidFill>
-                  <a:srgbClr val="008000"/>
-                </a:solidFill>
-                <a:effectLst/>
-                <a:latin typeface="Consolas" panose="020B0609020204030204" pitchFamily="49" charset="0"/>
-              </a:rPr>
-              <a:t>타입이 됨</a:t>
-            </a:r>
-            <a:endParaRPr lang="en-US" altLang="ko-KR" b="1">
-              <a:solidFill>
-                <a:srgbClr val="FF9E1B"/>
-              </a:solidFill>
-              <a:effectLst/>
-              <a:latin typeface="Consolas" panose="020B0609020204030204" pitchFamily="49" charset="0"/>
-            </a:endParaRPr>
-          </a:p>
-          <a:p>
-            <a:r>
-              <a:rPr lang="en-US" altLang="ko-KR" b="1">
-                <a:solidFill>
-                  <a:srgbClr val="FF9E1B"/>
-                </a:solidFill>
-                <a:effectLst/>
-                <a:latin typeface="Consolas" panose="020B0609020204030204" pitchFamily="49" charset="0"/>
-              </a:rPr>
-              <a:t>  done: boolean;</a:t>
-            </a:r>
-          </a:p>
-          <a:p>
-            <a:r>
-              <a:rPr lang="en-US" altLang="ko-KR" b="1">
-                <a:solidFill>
-                  <a:srgbClr val="FF9E1B"/>
-                </a:solidFill>
-                <a:effectLst/>
-                <a:latin typeface="Consolas" panose="020B0609020204030204" pitchFamily="49" charset="0"/>
-              </a:rPr>
-              <a:t>};</a:t>
+              <a:t>type TodoInfo = TodoRegist &amp; TodoDone;</a:t>
             </a:r>
           </a:p>
         </p:txBody>

--- a/PPT/06.자바스크립트 - 타입스크립트.pptx
+++ b/PPT/06.자바스크립트 - 타입스크립트.pptx
@@ -3826,7 +3826,7 @@
             <a:fld id="{C5EB0431-1611-1744-95F0-8172773087C5}" type="datetimeFigureOut">
               <a:rPr lang="en-US" altLang="ko-Kore-KR" smtClean="0"/>
               <a:pPr/>
-              <a:t>4/28/2025</a:t>
+              <a:t>4/29/2025</a:t>
             </a:fld>
             <a:endParaRPr lang="ko-Kore-KR"/>
           </a:p>
@@ -4246,7 +4246,7 @@
           <a:p>
             <a:fld id="{5FD0AF26-B2D6-41C9-847A-12B3D1677265}" type="datetime1">
               <a:rPr kumimoji="1" lang="ko-KR" altLang="en-US" smtClean="0"/>
-              <a:t>2025-04-28</a:t>
+              <a:t>2025-04-29</a:t>
             </a:fld>
             <a:endParaRPr kumimoji="1" lang="ko-KR" altLang="en-US"/>
           </a:p>
@@ -4444,7 +4444,7 @@
           <a:p>
             <a:fld id="{11A845FB-4EAB-4F93-BE87-891FAC391B0C}" type="datetime1">
               <a:rPr kumimoji="1" lang="ko-KR" altLang="en-US" smtClean="0"/>
-              <a:t>2025-04-28</a:t>
+              <a:t>2025-04-29</a:t>
             </a:fld>
             <a:endParaRPr kumimoji="1" lang="ko-KR" altLang="en-US"/>
           </a:p>
@@ -4652,7 +4652,7 @@
           <a:p>
             <a:fld id="{6597FBCF-59BC-423C-A27E-A4E0342EEDF5}" type="datetime1">
               <a:rPr kumimoji="1" lang="ko-KR" altLang="en-US" smtClean="0"/>
-              <a:t>2025-04-28</a:t>
+              <a:t>2025-04-29</a:t>
             </a:fld>
             <a:endParaRPr kumimoji="1" lang="ko-KR" altLang="en-US"/>
           </a:p>
@@ -4850,7 +4850,7 @@
           <a:p>
             <a:fld id="{59DE6E8A-4C0D-4CC6-BBD6-2F945A6B3540}" type="datetime1">
               <a:rPr kumimoji="1" lang="ko-KR" altLang="en-US" smtClean="0"/>
-              <a:t>2025-04-28</a:t>
+              <a:t>2025-04-29</a:t>
             </a:fld>
             <a:endParaRPr kumimoji="1" lang="ko-KR" altLang="en-US"/>
           </a:p>
@@ -5125,7 +5125,7 @@
           <a:p>
             <a:fld id="{BEBFBD75-CCBA-4C22-86CA-859D220600AA}" type="datetime1">
               <a:rPr kumimoji="1" lang="ko-KR" altLang="en-US" smtClean="0"/>
-              <a:t>2025-04-28</a:t>
+              <a:t>2025-04-29</a:t>
             </a:fld>
             <a:endParaRPr kumimoji="1" lang="ko-KR" altLang="en-US"/>
           </a:p>
@@ -5390,7 +5390,7 @@
           <a:p>
             <a:fld id="{DB031150-5CB0-41C0-9104-5695DD253F49}" type="datetime1">
               <a:rPr kumimoji="1" lang="ko-KR" altLang="en-US" smtClean="0"/>
-              <a:t>2025-04-28</a:t>
+              <a:t>2025-04-29</a:t>
             </a:fld>
             <a:endParaRPr kumimoji="1" lang="ko-KR" altLang="en-US"/>
           </a:p>
@@ -5802,7 +5802,7 @@
           <a:p>
             <a:fld id="{0B78CFAD-1435-498E-ACFE-38131B135631}" type="datetime1">
               <a:rPr kumimoji="1" lang="ko-KR" altLang="en-US" smtClean="0"/>
-              <a:t>2025-04-28</a:t>
+              <a:t>2025-04-29</a:t>
             </a:fld>
             <a:endParaRPr kumimoji="1" lang="ko-KR" altLang="en-US"/>
           </a:p>
@@ -5943,7 +5943,7 @@
           <a:p>
             <a:fld id="{BF2AA6DB-F13D-4C47-BC2B-E1D25CB476ED}" type="datetime1">
               <a:rPr kumimoji="1" lang="ko-KR" altLang="en-US" smtClean="0"/>
-              <a:t>2025-04-28</a:t>
+              <a:t>2025-04-29</a:t>
             </a:fld>
             <a:endParaRPr kumimoji="1" lang="ko-KR" altLang="en-US"/>
           </a:p>
@@ -6056,7 +6056,7 @@
           <a:p>
             <a:fld id="{14FBB438-2880-4761-94BA-7F7996C8C3BD}" type="datetime1">
               <a:rPr kumimoji="1" lang="ko-KR" altLang="en-US" smtClean="0"/>
-              <a:t>2025-04-28</a:t>
+              <a:t>2025-04-29</a:t>
             </a:fld>
             <a:endParaRPr kumimoji="1" lang="ko-KR" altLang="en-US"/>
           </a:p>
@@ -6367,7 +6367,7 @@
           <a:p>
             <a:fld id="{C4D9C33D-E09A-4F6E-A7FA-CF959C3E6DEE}" type="datetime1">
               <a:rPr kumimoji="1" lang="ko-KR" altLang="en-US" smtClean="0"/>
-              <a:t>2025-04-28</a:t>
+              <a:t>2025-04-29</a:t>
             </a:fld>
             <a:endParaRPr kumimoji="1" lang="ko-KR" altLang="en-US"/>
           </a:p>
@@ -6655,7 +6655,7 @@
           <a:p>
             <a:fld id="{DB10E3DE-CCA8-4CB9-BDA2-4741B0CD6641}" type="datetime1">
               <a:rPr kumimoji="1" lang="ko-KR" altLang="en-US" smtClean="0"/>
-              <a:t>2025-04-28</a:t>
+              <a:t>2025-04-29</a:t>
             </a:fld>
             <a:endParaRPr kumimoji="1" lang="ko-KR" altLang="en-US"/>
           </a:p>
@@ -6898,7 +6898,7 @@
           <a:p>
             <a:fld id="{827CA893-2A65-4E72-A022-7CB16F3818A4}" type="datetime1">
               <a:rPr kumimoji="1" lang="ko-KR" altLang="en-US" smtClean="0"/>
-              <a:t>2025-04-28</a:t>
+              <a:t>2025-04-29</a:t>
             </a:fld>
             <a:endParaRPr kumimoji="1" lang="ko-KR" altLang="en-US"/>
           </a:p>
@@ -29122,6 +29122,9 @@
             </a:r>
             <a:r>
               <a:rPr lang="ko-KR" altLang="en-US" b="0">
+                <a:solidFill>
+                  <a:srgbClr val="FF9E1B"/>
+                </a:solidFill>
                 <a:latin typeface="Noto Sans CJK KR Regular" panose="020B0500000000000000" pitchFamily="34" charset="-127"/>
                 <a:ea typeface="Noto Sans CJK KR Regular" panose="020B0500000000000000" pitchFamily="34" charset="-127"/>
               </a:rPr>
@@ -29139,7 +29142,24 @@
                 <a:latin typeface="Noto Sans CJK KR Regular" panose="020B0500000000000000" pitchFamily="34" charset="-127"/>
                 <a:ea typeface="Noto Sans CJK KR Regular" panose="020B0500000000000000" pitchFamily="34" charset="-127"/>
               </a:rPr>
-              <a:t>자체를 타입으로 사용</a:t>
+              <a:t>자체를 </a:t>
+            </a:r>
+            <a:r>
+              <a:rPr lang="ko-KR" altLang="en-US" b="0">
+                <a:solidFill>
+                  <a:srgbClr val="FF9E1B"/>
+                </a:solidFill>
+                <a:latin typeface="Noto Sans CJK KR Regular" panose="020B0500000000000000" pitchFamily="34" charset="-127"/>
+                <a:ea typeface="Noto Sans CJK KR Regular" panose="020B0500000000000000" pitchFamily="34" charset="-127"/>
+              </a:rPr>
+              <a:t>타입</a:t>
+            </a:r>
+            <a:r>
+              <a:rPr lang="ko-KR" altLang="en-US" b="0">
+                <a:latin typeface="Noto Sans CJK KR Regular" panose="020B0500000000000000" pitchFamily="34" charset="-127"/>
+                <a:ea typeface="Noto Sans CJK KR Regular" panose="020B0500000000000000" pitchFamily="34" charset="-127"/>
+              </a:rPr>
+              <a:t>으로 사용</a:t>
             </a:r>
             <a:endParaRPr lang="en-US" altLang="ko-KR" b="0">
               <a:latin typeface="Noto Sans CJK KR Regular" panose="020B0500000000000000" pitchFamily="34" charset="-127"/>
@@ -29263,7 +29283,24 @@
                 <a:latin typeface="Noto Sans CJK KR Regular" panose="020B0500000000000000" pitchFamily="34" charset="-127"/>
                 <a:ea typeface="Noto Sans CJK KR Regular" panose="020B0500000000000000" pitchFamily="34" charset="-127"/>
               </a:rPr>
-              <a:t>잘못된 값의 입력을 미리 막아서 타입 안전성을 높임</a:t>
+              <a:t>잘못된 값의 입력을 미리 막아서 </a:t>
+            </a:r>
+            <a:r>
+              <a:rPr lang="ko-KR" altLang="en-US">
+                <a:solidFill>
+                  <a:srgbClr val="FF9E1B"/>
+                </a:solidFill>
+                <a:latin typeface="Noto Sans CJK KR Regular" panose="020B0500000000000000" pitchFamily="34" charset="-127"/>
+                <a:ea typeface="Noto Sans CJK KR Regular" panose="020B0500000000000000" pitchFamily="34" charset="-127"/>
+              </a:rPr>
+              <a:t>타입 안전성</a:t>
+            </a:r>
+            <a:r>
+              <a:rPr lang="ko-KR" altLang="en-US">
+                <a:latin typeface="Noto Sans CJK KR Regular" panose="020B0500000000000000" pitchFamily="34" charset="-127"/>
+                <a:ea typeface="Noto Sans CJK KR Regular" panose="020B0500000000000000" pitchFamily="34" charset="-127"/>
+              </a:rPr>
+              <a:t>을 높임</a:t>
             </a:r>
             <a:endParaRPr lang="en-US" altLang="ko-KR">
               <a:latin typeface="Noto Sans CJK KR Regular" panose="020B0500000000000000" pitchFamily="34" charset="-127"/>
@@ -31903,10 +31940,20 @@
             </a:r>
             <a:r>
               <a:rPr lang="ko-KR" altLang="en-US">
-                <a:latin typeface="Noto Sans CJK KR Regular" panose="020B0500000000000000" pitchFamily="34" charset="-127"/>
-                <a:ea typeface="Noto Sans CJK KR Regular" panose="020B0500000000000000" pitchFamily="34" charset="-127"/>
-              </a:rPr>
-              <a:t>호환되는 타입으로만 타입 단언이 가능</a:t>
+                <a:solidFill>
+                  <a:srgbClr val="FF9E1B"/>
+                </a:solidFill>
+                <a:latin typeface="Noto Sans CJK KR Regular" panose="020B0500000000000000" pitchFamily="34" charset="-127"/>
+                <a:ea typeface="Noto Sans CJK KR Regular" panose="020B0500000000000000" pitchFamily="34" charset="-127"/>
+              </a:rPr>
+              <a:t>호환되는 타입</a:t>
+            </a:r>
+            <a:r>
+              <a:rPr lang="ko-KR" altLang="en-US">
+                <a:latin typeface="Noto Sans CJK KR Regular" panose="020B0500000000000000" pitchFamily="34" charset="-127"/>
+                <a:ea typeface="Noto Sans CJK KR Regular" panose="020B0500000000000000" pitchFamily="34" charset="-127"/>
+              </a:rPr>
+              <a:t>으로만 타입 단언이 가능</a:t>
             </a:r>
             <a:endParaRPr lang="en-US" altLang="ko-KR">
               <a:latin typeface="Noto Sans CJK KR Regular" panose="020B0500000000000000" pitchFamily="34" charset="-127"/>
@@ -32494,7 +32541,7 @@
                 <a:latin typeface="Noto Sans CJK KR Regular" panose="020B0500000000000000" pitchFamily="34" charset="-127"/>
                 <a:ea typeface="Noto Sans CJK KR Regular" panose="020B0500000000000000" pitchFamily="34" charset="-127"/>
               </a:rPr>
-              <a:t>  타입 가드란</a:t>
+              <a:t> 타입 가드란</a:t>
             </a:r>
             <a:r>
               <a:rPr lang="en-US" altLang="ko-KR" sz="2000">
@@ -33254,7 +33301,7 @@
                 <a:latin typeface="Noto Sans CJK KR Regular" panose="020B0500000000000000" pitchFamily="34" charset="-127"/>
                 <a:ea typeface="Noto Sans CJK KR Regular" panose="020B0500000000000000" pitchFamily="34" charset="-127"/>
               </a:rPr>
-              <a:t>  타입 호환이란</a:t>
+              <a:t> 타입 호환이란</a:t>
             </a:r>
             <a:r>
               <a:rPr lang="en-US" altLang="ko-KR" sz="2000">

--- a/PPT/06.자바스크립트 - 타입스크립트.pptx
+++ b/PPT/06.자바스크립트 - 타입스크립트.pptx
@@ -3826,7 +3826,7 @@
             <a:fld id="{C5EB0431-1611-1744-95F0-8172773087C5}" type="datetimeFigureOut">
               <a:rPr lang="en-US" altLang="ko-Kore-KR" smtClean="0"/>
               <a:pPr/>
-              <a:t>4/29/2025</a:t>
+              <a:t>4/30/2025</a:t>
             </a:fld>
             <a:endParaRPr lang="ko-Kore-KR"/>
           </a:p>
@@ -4246,7 +4246,7 @@
           <a:p>
             <a:fld id="{5FD0AF26-B2D6-41C9-847A-12B3D1677265}" type="datetime1">
               <a:rPr kumimoji="1" lang="ko-KR" altLang="en-US" smtClean="0"/>
-              <a:t>2025-04-29</a:t>
+              <a:t>2025-04-30</a:t>
             </a:fld>
             <a:endParaRPr kumimoji="1" lang="ko-KR" altLang="en-US"/>
           </a:p>
@@ -4444,7 +4444,7 @@
           <a:p>
             <a:fld id="{11A845FB-4EAB-4F93-BE87-891FAC391B0C}" type="datetime1">
               <a:rPr kumimoji="1" lang="ko-KR" altLang="en-US" smtClean="0"/>
-              <a:t>2025-04-29</a:t>
+              <a:t>2025-04-30</a:t>
             </a:fld>
             <a:endParaRPr kumimoji="1" lang="ko-KR" altLang="en-US"/>
           </a:p>
@@ -4652,7 +4652,7 @@
           <a:p>
             <a:fld id="{6597FBCF-59BC-423C-A27E-A4E0342EEDF5}" type="datetime1">
               <a:rPr kumimoji="1" lang="ko-KR" altLang="en-US" smtClean="0"/>
-              <a:t>2025-04-29</a:t>
+              <a:t>2025-04-30</a:t>
             </a:fld>
             <a:endParaRPr kumimoji="1" lang="ko-KR" altLang="en-US"/>
           </a:p>
@@ -4850,7 +4850,7 @@
           <a:p>
             <a:fld id="{59DE6E8A-4C0D-4CC6-BBD6-2F945A6B3540}" type="datetime1">
               <a:rPr kumimoji="1" lang="ko-KR" altLang="en-US" smtClean="0"/>
-              <a:t>2025-04-29</a:t>
+              <a:t>2025-04-30</a:t>
             </a:fld>
             <a:endParaRPr kumimoji="1" lang="ko-KR" altLang="en-US"/>
           </a:p>
@@ -5125,7 +5125,7 @@
           <a:p>
             <a:fld id="{BEBFBD75-CCBA-4C22-86CA-859D220600AA}" type="datetime1">
               <a:rPr kumimoji="1" lang="ko-KR" altLang="en-US" smtClean="0"/>
-              <a:t>2025-04-29</a:t>
+              <a:t>2025-04-30</a:t>
             </a:fld>
             <a:endParaRPr kumimoji="1" lang="ko-KR" altLang="en-US"/>
           </a:p>
@@ -5390,7 +5390,7 @@
           <a:p>
             <a:fld id="{DB031150-5CB0-41C0-9104-5695DD253F49}" type="datetime1">
               <a:rPr kumimoji="1" lang="ko-KR" altLang="en-US" smtClean="0"/>
-              <a:t>2025-04-29</a:t>
+              <a:t>2025-04-30</a:t>
             </a:fld>
             <a:endParaRPr kumimoji="1" lang="ko-KR" altLang="en-US"/>
           </a:p>
@@ -5802,7 +5802,7 @@
           <a:p>
             <a:fld id="{0B78CFAD-1435-498E-ACFE-38131B135631}" type="datetime1">
               <a:rPr kumimoji="1" lang="ko-KR" altLang="en-US" smtClean="0"/>
-              <a:t>2025-04-29</a:t>
+              <a:t>2025-04-30</a:t>
             </a:fld>
             <a:endParaRPr kumimoji="1" lang="ko-KR" altLang="en-US"/>
           </a:p>
@@ -5943,7 +5943,7 @@
           <a:p>
             <a:fld id="{BF2AA6DB-F13D-4C47-BC2B-E1D25CB476ED}" type="datetime1">
               <a:rPr kumimoji="1" lang="ko-KR" altLang="en-US" smtClean="0"/>
-              <a:t>2025-04-29</a:t>
+              <a:t>2025-04-30</a:t>
             </a:fld>
             <a:endParaRPr kumimoji="1" lang="ko-KR" altLang="en-US"/>
           </a:p>
@@ -6056,7 +6056,7 @@
           <a:p>
             <a:fld id="{14FBB438-2880-4761-94BA-7F7996C8C3BD}" type="datetime1">
               <a:rPr kumimoji="1" lang="ko-KR" altLang="en-US" smtClean="0"/>
-              <a:t>2025-04-29</a:t>
+              <a:t>2025-04-30</a:t>
             </a:fld>
             <a:endParaRPr kumimoji="1" lang="ko-KR" altLang="en-US"/>
           </a:p>
@@ -6367,7 +6367,7 @@
           <a:p>
             <a:fld id="{C4D9C33D-E09A-4F6E-A7FA-CF959C3E6DEE}" type="datetime1">
               <a:rPr kumimoji="1" lang="ko-KR" altLang="en-US" smtClean="0"/>
-              <a:t>2025-04-29</a:t>
+              <a:t>2025-04-30</a:t>
             </a:fld>
             <a:endParaRPr kumimoji="1" lang="ko-KR" altLang="en-US"/>
           </a:p>
@@ -6655,7 +6655,7 @@
           <a:p>
             <a:fld id="{DB10E3DE-CCA8-4CB9-BDA2-4741B0CD6641}" type="datetime1">
               <a:rPr kumimoji="1" lang="ko-KR" altLang="en-US" smtClean="0"/>
-              <a:t>2025-04-29</a:t>
+              <a:t>2025-04-30</a:t>
             </a:fld>
             <a:endParaRPr kumimoji="1" lang="ko-KR" altLang="en-US"/>
           </a:p>
@@ -6898,7 +6898,7 @@
           <a:p>
             <a:fld id="{827CA893-2A65-4E72-A022-7CB16F3818A4}" type="datetime1">
               <a:rPr kumimoji="1" lang="ko-KR" altLang="en-US" smtClean="0"/>
-              <a:t>2025-04-29</a:t>
+              <a:t>2025-04-30</a:t>
             </a:fld>
             <a:endParaRPr kumimoji="1" lang="ko-KR" altLang="en-US"/>
           </a:p>
@@ -31987,7 +31987,7 @@
                 <a:latin typeface="Noto Sans CJK KR Regular" panose="020B0500000000000000" pitchFamily="34" charset="-127"/>
                 <a:ea typeface="Noto Sans CJK KR Regular" panose="020B0500000000000000" pitchFamily="34" charset="-127"/>
               </a:rPr>
-              <a:t>  any, unkonw</a:t>
+              <a:t>  any, unknown</a:t>
             </a:r>
             <a:r>
               <a:rPr lang="ko-KR" altLang="en-US">
